--- a/presentations/anatomia-fundamentos/event-binding.pptx
+++ b/presentations/anatomia-fundamentos/event-binding.pptx
@@ -9,7 +9,7 @@
     <p:sldMasterId id="2147483764" r:id="rId8"/>
   </p:sldMasterIdLst>
   <p:notesMasterIdLst>
-    <p:notesMasterId r:id="rId18"/>
+    <p:notesMasterId r:id="rId17"/>
   </p:notesMasterIdLst>
   <p:sldIdLst>
     <p:sldId id="256" r:id="rId9"/>
@@ -18,9 +18,8 @@
     <p:sldId id="330" r:id="rId12"/>
     <p:sldId id="339" r:id="rId13"/>
     <p:sldId id="331" r:id="rId14"/>
-    <p:sldId id="337" r:id="rId15"/>
-    <p:sldId id="338" r:id="rId16"/>
-    <p:sldId id="272" r:id="rId17"/>
+    <p:sldId id="338" r:id="rId15"/>
+    <p:sldId id="272" r:id="rId16"/>
   </p:sldIdLst>
   <p:sldSz cx="12192000" cy="6858000"/>
   <p:notesSz cx="6858000" cy="9144000"/>
@@ -134,7 +133,6 @@
             <p14:sldId id="330"/>
             <p14:sldId id="339"/>
             <p14:sldId id="331"/>
-            <p14:sldId id="337"/>
             <p14:sldId id="338"/>
           </p14:sldIdLst>
         </p14:section>
@@ -9069,816 +9067,6 @@
           <a:bodyPr/>
           <a:lstStyle/>
           <a:p>
-            <a:pPr marL="342900" indent="-342900">
-              <a:buFont typeface="Arial" panose="020B0604020202020204" pitchFamily="34" charset="0"/>
-              <a:buChar char="•"/>
-            </a:pPr>
-            <a:r>
-              <a:rPr lang="en-US" dirty="0"/>
-              <a:t>De </a:t>
-            </a:r>
-            <a:r>
-              <a:rPr lang="en-US" dirty="0" err="1"/>
-              <a:t>acordo</a:t>
-            </a:r>
-            <a:r>
-              <a:rPr lang="en-US" dirty="0"/>
-              <a:t> com as boas </a:t>
-            </a:r>
-            <a:r>
-              <a:rPr lang="en-US" dirty="0" err="1"/>
-              <a:t>praticas</a:t>
-            </a:r>
-            <a:r>
-              <a:rPr lang="en-US" dirty="0"/>
-              <a:t> do Angular, </a:t>
-            </a:r>
-            <a:r>
-              <a:rPr lang="en-US" dirty="0" err="1"/>
-              <a:t>os</a:t>
-            </a:r>
-            <a:r>
-              <a:rPr lang="en-US" dirty="0"/>
-              <a:t> </a:t>
-            </a:r>
-            <a:r>
-              <a:rPr lang="en-US" dirty="0" err="1"/>
-              <a:t>componentes</a:t>
-            </a:r>
-            <a:r>
-              <a:rPr lang="en-US" dirty="0"/>
-              <a:t> </a:t>
-            </a:r>
-            <a:r>
-              <a:rPr lang="en-US" dirty="0" err="1"/>
-              <a:t>deverão</a:t>
-            </a:r>
-            <a:r>
-              <a:rPr lang="en-US" dirty="0"/>
-              <a:t> </a:t>
-            </a:r>
-            <a:r>
-              <a:rPr lang="en-US" dirty="0" err="1"/>
-              <a:t>ser</a:t>
-            </a:r>
-            <a:r>
-              <a:rPr lang="en-US" dirty="0"/>
-              <a:t> </a:t>
-            </a:r>
-            <a:r>
-              <a:rPr lang="en-US" dirty="0" err="1"/>
-              <a:t>separado</a:t>
-            </a:r>
-            <a:r>
-              <a:rPr lang="en-US" dirty="0"/>
-              <a:t> </a:t>
-            </a:r>
-            <a:r>
-              <a:rPr lang="en-US" dirty="0" err="1"/>
-              <a:t>por</a:t>
-            </a:r>
-            <a:r>
-              <a:rPr lang="en-US" dirty="0"/>
-              <a:t> pastas </a:t>
-            </a:r>
-            <a:r>
-              <a:rPr lang="en-US" dirty="0" err="1"/>
-              <a:t>dentro</a:t>
-            </a:r>
-            <a:r>
-              <a:rPr lang="en-US" dirty="0"/>
-              <a:t> do </a:t>
-            </a:r>
-            <a:r>
-              <a:rPr lang="en-US" dirty="0" err="1"/>
-              <a:t>diretório</a:t>
-            </a:r>
-            <a:r>
-              <a:rPr lang="en-US" dirty="0"/>
-              <a:t> </a:t>
-            </a:r>
-            <a:r>
-              <a:rPr lang="en-US" b="1" dirty="0" err="1"/>
-              <a:t>src</a:t>
-            </a:r>
-            <a:r>
-              <a:rPr lang="en-US" b="1" dirty="0"/>
-              <a:t>/app/</a:t>
-            </a:r>
-          </a:p>
-          <a:p>
-            <a:pPr marL="342900" indent="-342900">
-              <a:buFont typeface="Arial" panose="020B0604020202020204" pitchFamily="34" charset="0"/>
-              <a:buChar char="•"/>
-            </a:pPr>
-            <a:r>
-              <a:rPr lang="en-US" dirty="0"/>
-              <a:t>O </a:t>
-            </a:r>
-            <a:r>
-              <a:rPr lang="en-US" dirty="0" err="1"/>
-              <a:t>nome</a:t>
-            </a:r>
-            <a:r>
-              <a:rPr lang="en-US" dirty="0"/>
-              <a:t> do </a:t>
-            </a:r>
-            <a:r>
-              <a:rPr lang="en-US" dirty="0" err="1"/>
-              <a:t>arquivo</a:t>
-            </a:r>
-            <a:r>
-              <a:rPr lang="en-US" dirty="0"/>
-              <a:t> </a:t>
-            </a:r>
-            <a:r>
-              <a:rPr lang="en-US" dirty="0" err="1"/>
-              <a:t>deverá</a:t>
-            </a:r>
-            <a:r>
-              <a:rPr lang="en-US" dirty="0"/>
-              <a:t> </a:t>
-            </a:r>
-            <a:r>
-              <a:rPr lang="en-US" dirty="0" err="1"/>
-              <a:t>ser</a:t>
-            </a:r>
-            <a:r>
-              <a:rPr lang="en-US" dirty="0"/>
-              <a:t> </a:t>
-            </a:r>
-            <a:r>
-              <a:rPr lang="en-US" dirty="0" err="1"/>
-              <a:t>composto</a:t>
-            </a:r>
-            <a:r>
-              <a:rPr lang="en-US" dirty="0"/>
-              <a:t> </a:t>
-            </a:r>
-            <a:r>
-              <a:rPr lang="en-US" dirty="0" err="1"/>
-              <a:t>por</a:t>
-            </a:r>
-            <a:r>
-              <a:rPr lang="en-US" dirty="0"/>
-              <a:t> </a:t>
-            </a:r>
-            <a:r>
-              <a:rPr lang="en-US" b="1" dirty="0" err="1"/>
-              <a:t>nome.</a:t>
-            </a:r>
-            <a:r>
-              <a:rPr lang="en-US" b="1" dirty="0" err="1">
-                <a:solidFill>
-                  <a:srgbClr val="FF5800"/>
-                </a:solidFill>
-              </a:rPr>
-              <a:t>component.</a:t>
-            </a:r>
-            <a:r>
-              <a:rPr lang="en-US" b="1" dirty="0" err="1"/>
-              <a:t>ts</a:t>
-            </a:r>
-            <a:endParaRPr lang="en-US" b="1" dirty="0"/>
-          </a:p>
-          <a:p>
-            <a:pPr marL="342900" indent="-342900">
-              <a:buFont typeface="Arial" panose="020B0604020202020204" pitchFamily="34" charset="0"/>
-              <a:buChar char="•"/>
-            </a:pPr>
-            <a:r>
-              <a:rPr lang="en-US" dirty="0"/>
-              <a:t>O </a:t>
-            </a:r>
-            <a:r>
-              <a:rPr lang="en-US" dirty="0" err="1"/>
-              <a:t>nome</a:t>
-            </a:r>
-            <a:r>
-              <a:rPr lang="en-US" dirty="0"/>
-              <a:t> da </a:t>
-            </a:r>
-            <a:r>
-              <a:rPr lang="en-US" dirty="0" err="1"/>
-              <a:t>classe</a:t>
-            </a:r>
-            <a:r>
-              <a:rPr lang="en-US" dirty="0"/>
-              <a:t> do </a:t>
-            </a:r>
-            <a:r>
-              <a:rPr lang="en-US" dirty="0" err="1"/>
-              <a:t>componente</a:t>
-            </a:r>
-            <a:r>
-              <a:rPr lang="en-US" dirty="0"/>
-              <a:t> </a:t>
-            </a:r>
-            <a:r>
-              <a:rPr lang="en-US" dirty="0" err="1"/>
-              <a:t>deverá</a:t>
-            </a:r>
-            <a:r>
-              <a:rPr lang="en-US" dirty="0"/>
-              <a:t> </a:t>
-            </a:r>
-            <a:r>
-              <a:rPr lang="en-US" dirty="0" err="1"/>
-              <a:t>ser</a:t>
-            </a:r>
-            <a:r>
-              <a:rPr lang="en-US" dirty="0"/>
-              <a:t> compost </a:t>
-            </a:r>
-            <a:r>
-              <a:rPr lang="en-US" dirty="0" err="1"/>
-              <a:t>por</a:t>
-            </a:r>
-            <a:r>
-              <a:rPr lang="en-US" dirty="0"/>
-              <a:t> </a:t>
-            </a:r>
-            <a:r>
-              <a:rPr lang="en-US" b="1" dirty="0" err="1"/>
-              <a:t>Nome</a:t>
-            </a:r>
-            <a:r>
-              <a:rPr lang="en-US" b="1" dirty="0" err="1">
-                <a:solidFill>
-                  <a:schemeClr val="tx2"/>
-                </a:solidFill>
-              </a:rPr>
-              <a:t>Component</a:t>
-            </a:r>
-            <a:endParaRPr lang="en-US" b="1" dirty="0">
-              <a:solidFill>
-                <a:schemeClr val="tx2"/>
-              </a:solidFill>
-            </a:endParaRPr>
-          </a:p>
-          <a:p>
-            <a:pPr marL="342900" indent="-342900">
-              <a:buFont typeface="Arial" panose="020B0604020202020204" pitchFamily="34" charset="0"/>
-              <a:buChar char="•"/>
-            </a:pPr>
-            <a:r>
-              <a:rPr lang="en-US" dirty="0"/>
-              <a:t>Uma </a:t>
-            </a:r>
-            <a:r>
-              <a:rPr lang="en-US" dirty="0" err="1"/>
-              <a:t>classe</a:t>
-            </a:r>
-            <a:r>
-              <a:rPr lang="en-US" dirty="0"/>
-              <a:t> </a:t>
-            </a:r>
-            <a:r>
-              <a:rPr lang="en-US" dirty="0" err="1"/>
-              <a:t>será</a:t>
-            </a:r>
-            <a:r>
-              <a:rPr lang="en-US" dirty="0"/>
-              <a:t> </a:t>
-            </a:r>
-            <a:r>
-              <a:rPr lang="en-US" dirty="0" err="1"/>
-              <a:t>transformada</a:t>
-            </a:r>
-            <a:r>
-              <a:rPr lang="en-US" dirty="0"/>
-              <a:t> </a:t>
-            </a:r>
-            <a:r>
-              <a:rPr lang="en-US" dirty="0" err="1"/>
-              <a:t>em</a:t>
-            </a:r>
-            <a:r>
-              <a:rPr lang="en-US" dirty="0"/>
-              <a:t> </a:t>
-            </a:r>
-            <a:r>
-              <a:rPr lang="en-US" dirty="0" err="1"/>
-              <a:t>componente</a:t>
-            </a:r>
-            <a:r>
-              <a:rPr lang="en-US" dirty="0"/>
-              <a:t> </a:t>
-            </a:r>
-            <a:r>
-              <a:rPr lang="en-US" dirty="0" err="1"/>
-              <a:t>após</a:t>
-            </a:r>
-            <a:r>
-              <a:rPr lang="en-US" dirty="0"/>
-              <a:t> </a:t>
-            </a:r>
-            <a:r>
-              <a:rPr lang="en-US" dirty="0" err="1"/>
-              <a:t>decorarmos</a:t>
-            </a:r>
-            <a:r>
-              <a:rPr lang="en-US" dirty="0"/>
-              <a:t> a </a:t>
-            </a:r>
-            <a:r>
-              <a:rPr lang="en-US" dirty="0" err="1"/>
-              <a:t>mesma</a:t>
-            </a:r>
-            <a:r>
-              <a:rPr lang="en-US" dirty="0"/>
-              <a:t> com o decorator </a:t>
-            </a:r>
-            <a:r>
-              <a:rPr lang="en-US" b="1" dirty="0"/>
-              <a:t>@Component()</a:t>
-            </a:r>
-          </a:p>
-          <a:p>
-            <a:pPr marL="342900" indent="-342900">
-              <a:buFont typeface="Arial" panose="020B0604020202020204" pitchFamily="34" charset="0"/>
-              <a:buChar char="•"/>
-            </a:pPr>
-            <a:r>
-              <a:rPr lang="en-US" dirty="0" err="1"/>
-              <a:t>Dentro</a:t>
-            </a:r>
-            <a:r>
-              <a:rPr lang="en-US" dirty="0"/>
-              <a:t> do @Component() </a:t>
-            </a:r>
-            <a:r>
-              <a:rPr lang="en-US" dirty="0" err="1"/>
-              <a:t>passamos</a:t>
-            </a:r>
-            <a:r>
-              <a:rPr lang="en-US" dirty="0"/>
-              <a:t> </a:t>
-            </a:r>
-            <a:r>
-              <a:rPr lang="en-US" dirty="0" err="1"/>
-              <a:t>algumas</a:t>
-            </a:r>
-            <a:r>
-              <a:rPr lang="en-US" dirty="0"/>
-              <a:t> </a:t>
-            </a:r>
-            <a:r>
-              <a:rPr lang="en-US" dirty="0" err="1"/>
-              <a:t>instruções</a:t>
-            </a:r>
-            <a:r>
-              <a:rPr lang="en-US" dirty="0"/>
-              <a:t>, </a:t>
-            </a:r>
-            <a:r>
-              <a:rPr lang="en-US" dirty="0" err="1"/>
-              <a:t>chamadas</a:t>
-            </a:r>
-            <a:r>
-              <a:rPr lang="en-US" dirty="0"/>
-              <a:t> de </a:t>
-            </a:r>
-            <a:r>
-              <a:rPr lang="en-US" b="1" dirty="0" err="1"/>
-              <a:t>metadados</a:t>
-            </a:r>
-            <a:endParaRPr lang="en-US" b="1" dirty="0"/>
-          </a:p>
-        </p:txBody>
-      </p:sp>
-      <p:sp>
-        <p:nvSpPr>
-          <p:cNvPr id="6" name="Title 5"/>
-          <p:cNvSpPr>
-            <a:spLocks noGrp="1"/>
-          </p:cNvSpPr>
-          <p:nvPr>
-            <p:ph type="title"/>
-          </p:nvPr>
-        </p:nvSpPr>
-        <p:spPr/>
-        <p:txBody>
-          <a:bodyPr/>
-          <a:lstStyle/>
-          <a:p>
-            <a:r>
-              <a:rPr lang="en-US" dirty="0"/>
-              <a:t>I</a:t>
-            </a:r>
-            <a:r>
-              <a:rPr lang="pt-BR" dirty="0"/>
-              <a:t>ntrodução a criação de componentes</a:t>
-            </a:r>
-          </a:p>
-        </p:txBody>
-      </p:sp>
-      <p:pic>
-        <p:nvPicPr>
-          <p:cNvPr id="4" name="Picture 3">
-            <a:extLst>
-              <a:ext uri="{FF2B5EF4-FFF2-40B4-BE49-F238E27FC236}">
-                <a16:creationId xmlns:a16="http://schemas.microsoft.com/office/drawing/2014/main" id="{4A9B1FB6-6BD7-4B61-9B1F-9A27C671EB8B}"/>
-              </a:ext>
-            </a:extLst>
-          </p:cNvPr>
-          <p:cNvPicPr>
-            <a:picLocks noChangeAspect="1"/>
-          </p:cNvPicPr>
-          <p:nvPr/>
-        </p:nvPicPr>
-        <p:blipFill>
-          <a:blip r:embed="rId2"/>
-          <a:stretch>
-            <a:fillRect/>
-          </a:stretch>
-        </p:blipFill>
-        <p:spPr>
-          <a:xfrm>
-            <a:off x="10690123" y="210236"/>
-            <a:ext cx="1359310" cy="1359310"/>
-          </a:xfrm>
-          <a:prstGeom prst="rect">
-            <a:avLst/>
-          </a:prstGeom>
-        </p:spPr>
-      </p:pic>
-      <p:pic>
-        <p:nvPicPr>
-          <p:cNvPr id="3" name="Picture 2">
-            <a:extLst>
-              <a:ext uri="{FF2B5EF4-FFF2-40B4-BE49-F238E27FC236}">
-                <a16:creationId xmlns:a16="http://schemas.microsoft.com/office/drawing/2014/main" id="{D7649E83-E1E4-4A20-91EE-8160E7F4B02A}"/>
-              </a:ext>
-            </a:extLst>
-          </p:cNvPr>
-          <p:cNvPicPr>
-            <a:picLocks noChangeAspect="1"/>
-          </p:cNvPicPr>
-          <p:nvPr/>
-        </p:nvPicPr>
-        <p:blipFill>
-          <a:blip r:embed="rId3"/>
-          <a:stretch>
-            <a:fillRect/>
-          </a:stretch>
-        </p:blipFill>
-        <p:spPr>
-          <a:xfrm>
-            <a:off x="3987679" y="4153720"/>
-            <a:ext cx="3723176" cy="1997293"/>
-          </a:xfrm>
-          <a:prstGeom prst="rect">
-            <a:avLst/>
-          </a:prstGeom>
-        </p:spPr>
-      </p:pic>
-      <p:grpSp>
-        <p:nvGrpSpPr>
-          <p:cNvPr id="12" name="Group 11">
-            <a:extLst>
-              <a:ext uri="{FF2B5EF4-FFF2-40B4-BE49-F238E27FC236}">
-                <a16:creationId xmlns:a16="http://schemas.microsoft.com/office/drawing/2014/main" id="{AEE7827D-C7D5-4138-8F42-1B5781AAC271}"/>
-              </a:ext>
-            </a:extLst>
-          </p:cNvPr>
-          <p:cNvGrpSpPr/>
-          <p:nvPr/>
-        </p:nvGrpSpPr>
-        <p:grpSpPr>
-          <a:xfrm>
-            <a:off x="8881698" y="4372002"/>
-            <a:ext cx="2349509" cy="1892812"/>
-            <a:chOff x="8881698" y="4266433"/>
-            <a:chExt cx="2349509" cy="1892812"/>
-          </a:xfrm>
-        </p:grpSpPr>
-        <p:sp>
-          <p:nvSpPr>
-            <p:cNvPr id="10" name="Rectangle 9">
-              <a:extLst>
-                <a:ext uri="{FF2B5EF4-FFF2-40B4-BE49-F238E27FC236}">
-                  <a16:creationId xmlns:a16="http://schemas.microsoft.com/office/drawing/2014/main" id="{BD1BB14E-4B2F-4639-BEBF-3C0E4DB287A3}"/>
-                </a:ext>
-              </a:extLst>
-            </p:cNvPr>
-            <p:cNvSpPr/>
-            <p:nvPr/>
-          </p:nvSpPr>
-          <p:spPr>
-            <a:xfrm>
-              <a:off x="9170377" y="4448908"/>
-              <a:ext cx="2060830" cy="1561367"/>
-            </a:xfrm>
-            <a:prstGeom prst="rect">
-              <a:avLst/>
-            </a:prstGeom>
-            <a:noFill/>
-            <a:ln w="9525" cap="flat" cmpd="sng" algn="ctr">
-              <a:solidFill>
-                <a:schemeClr val="accent3"/>
-              </a:solidFill>
-              <a:prstDash val="solid"/>
-              <a:round/>
-              <a:headEnd type="none" w="med" len="med"/>
-              <a:tailEnd type="none" w="med" len="med"/>
-            </a:ln>
-          </p:spPr>
-          <p:style>
-            <a:lnRef idx="0">
-              <a:scrgbClr r="0" g="0" b="0"/>
-            </a:lnRef>
-            <a:fillRef idx="0">
-              <a:scrgbClr r="0" g="0" b="0"/>
-            </a:fillRef>
-            <a:effectRef idx="0">
-              <a:scrgbClr r="0" g="0" b="0"/>
-            </a:effectRef>
-            <a:fontRef idx="minor">
-              <a:schemeClr val="accent3"/>
-            </a:fontRef>
-          </p:style>
-          <p:txBody>
-            <a:bodyPr rtlCol="0" anchor="ctr"/>
-            <a:lstStyle/>
-            <a:p>
-              <a:pPr algn="ctr"/>
-              <a:endParaRPr lang="pt-BR"/>
-            </a:p>
-          </p:txBody>
-        </p:sp>
-        <p:pic>
-          <p:nvPicPr>
-            <p:cNvPr id="9" name="Graphic 8" descr="Information">
-              <a:extLst>
-                <a:ext uri="{FF2B5EF4-FFF2-40B4-BE49-F238E27FC236}">
-                  <a16:creationId xmlns:a16="http://schemas.microsoft.com/office/drawing/2014/main" id="{26A9A333-F86F-4158-8FDA-9A98274751BB}"/>
-                </a:ext>
-              </a:extLst>
-            </p:cNvPr>
-            <p:cNvPicPr>
-              <a:picLocks noChangeAspect="1"/>
-            </p:cNvPicPr>
-            <p:nvPr/>
-          </p:nvPicPr>
-          <p:blipFill>
-            <a:blip r:embed="rId4">
-              <a:extLst>
-                <a:ext uri="{96DAC541-7B7A-43D3-8B79-37D633B846F1}">
-                  <asvg:svgBlip xmlns:asvg="http://schemas.microsoft.com/office/drawing/2016/SVG/main" r:embed="rId5"/>
-                </a:ext>
-              </a:extLst>
-            </a:blip>
-            <a:stretch>
-              <a:fillRect/>
-            </a:stretch>
-          </p:blipFill>
-          <p:spPr>
-            <a:xfrm>
-              <a:off x="8881698" y="4266433"/>
-              <a:ext cx="454269" cy="454269"/>
-            </a:xfrm>
-            <a:prstGeom prst="rect">
-              <a:avLst/>
-            </a:prstGeom>
-          </p:spPr>
-        </p:pic>
-        <p:sp>
-          <p:nvSpPr>
-            <p:cNvPr id="11" name="TextBox 10">
-              <a:extLst>
-                <a:ext uri="{FF2B5EF4-FFF2-40B4-BE49-F238E27FC236}">
-                  <a16:creationId xmlns:a16="http://schemas.microsoft.com/office/drawing/2014/main" id="{B61D37BD-3872-4EE1-B7CE-921B6CE69A50}"/>
-                </a:ext>
-              </a:extLst>
-            </p:cNvPr>
-            <p:cNvSpPr txBox="1"/>
-            <p:nvPr/>
-          </p:nvSpPr>
-          <p:spPr>
-            <a:xfrm>
-              <a:off x="9335967" y="4589585"/>
-              <a:ext cx="1733548" cy="1569660"/>
-            </a:xfrm>
-            <a:prstGeom prst="rect">
-              <a:avLst/>
-            </a:prstGeom>
-            <a:noFill/>
-          </p:spPr>
-          <p:txBody>
-            <a:bodyPr wrap="square" rtlCol="0">
-              <a:spAutoFit/>
-            </a:bodyPr>
-            <a:lstStyle/>
-            <a:p>
-              <a:r>
-                <a:rPr lang="en-US" sz="1200" b="1" u="sng" dirty="0" err="1">
-                  <a:solidFill>
-                    <a:srgbClr val="FFB013"/>
-                  </a:solidFill>
-                </a:rPr>
-                <a:t>Apêndice</a:t>
-              </a:r>
-              <a:r>
-                <a:rPr lang="en-US" sz="1200" b="1" dirty="0">
-                  <a:solidFill>
-                    <a:srgbClr val="FFB013"/>
-                  </a:solidFill>
-                </a:rPr>
-                <a:t>: </a:t>
-              </a:r>
-              <a:r>
-                <a:rPr lang="en-US" sz="1200" b="1" dirty="0" err="1">
-                  <a:solidFill>
-                    <a:srgbClr val="FFB013"/>
-                  </a:solidFill>
-                </a:rPr>
-                <a:t>Lembre</a:t>
-              </a:r>
-              <a:r>
-                <a:rPr lang="en-US" sz="1200" b="1" dirty="0">
-                  <a:solidFill>
-                    <a:srgbClr val="FFB013"/>
-                  </a:solidFill>
-                </a:rPr>
-                <a:t>-se de </a:t>
-              </a:r>
-              <a:r>
-                <a:rPr lang="en-US" sz="1200" b="1" dirty="0" err="1">
-                  <a:solidFill>
-                    <a:srgbClr val="FFB013"/>
-                  </a:solidFill>
-                </a:rPr>
-                <a:t>verificar</a:t>
-              </a:r>
-              <a:r>
-                <a:rPr lang="en-US" sz="1200" b="1" dirty="0">
-                  <a:solidFill>
-                    <a:srgbClr val="FFB013"/>
-                  </a:solidFill>
-                </a:rPr>
-                <a:t> o Style Guide e o Best </a:t>
-              </a:r>
-              <a:r>
-                <a:rPr lang="en-US" sz="1200" b="1" dirty="0" err="1">
-                  <a:solidFill>
-                    <a:srgbClr val="FFB013"/>
-                  </a:solidFill>
-                </a:rPr>
-                <a:t>Pratices</a:t>
-              </a:r>
-              <a:r>
-                <a:rPr lang="en-US" sz="1200" b="1" dirty="0">
-                  <a:solidFill>
-                    <a:srgbClr val="FFB013"/>
-                  </a:solidFill>
-                </a:rPr>
-                <a:t> para </a:t>
-              </a:r>
-              <a:r>
-                <a:rPr lang="en-US" sz="1200" b="1" dirty="0" err="1">
-                  <a:solidFill>
-                    <a:srgbClr val="FFB013"/>
-                  </a:solidFill>
-                </a:rPr>
-                <a:t>entender</a:t>
-              </a:r>
-              <a:r>
-                <a:rPr lang="en-US" sz="1200" b="1" dirty="0">
-                  <a:solidFill>
-                    <a:srgbClr val="FFB013"/>
-                  </a:solidFill>
-                </a:rPr>
-                <a:t> </a:t>
-              </a:r>
-              <a:r>
-                <a:rPr lang="en-US" sz="1200" b="1" dirty="0" err="1">
-                  <a:solidFill>
-                    <a:srgbClr val="FFB013"/>
-                  </a:solidFill>
-                </a:rPr>
-                <a:t>melhor</a:t>
-              </a:r>
-              <a:r>
-                <a:rPr lang="en-US" sz="1200" b="1" dirty="0">
-                  <a:solidFill>
-                    <a:srgbClr val="FFB013"/>
-                  </a:solidFill>
-                </a:rPr>
-                <a:t> as </a:t>
-              </a:r>
-              <a:r>
-                <a:rPr lang="en-US" sz="1200" b="1" dirty="0" err="1">
-                  <a:solidFill>
-                    <a:srgbClr val="FFB013"/>
-                  </a:solidFill>
-                </a:rPr>
-                <a:t>convenções</a:t>
-              </a:r>
-              <a:r>
-                <a:rPr lang="en-US" sz="1200" b="1" dirty="0">
-                  <a:solidFill>
-                    <a:srgbClr val="FFB013"/>
-                  </a:solidFill>
-                </a:rPr>
-                <a:t> de </a:t>
-              </a:r>
-              <a:r>
-                <a:rPr lang="en-US" sz="1200" b="1" dirty="0" err="1">
-                  <a:solidFill>
-                    <a:srgbClr val="FFB013"/>
-                  </a:solidFill>
-                </a:rPr>
-                <a:t>nomemclatura</a:t>
-              </a:r>
-              <a:r>
-                <a:rPr lang="en-US" sz="1200" b="1" dirty="0">
-                  <a:solidFill>
-                    <a:srgbClr val="FFB013"/>
-                  </a:solidFill>
-                </a:rPr>
-                <a:t>.</a:t>
-              </a:r>
-            </a:p>
-            <a:p>
-              <a:pPr algn="just"/>
-              <a:endParaRPr lang="pt-BR" sz="1200" dirty="0"/>
-            </a:p>
-          </p:txBody>
-        </p:sp>
-      </p:grpSp>
-    </p:spTree>
-    <p:extLst>
-      <p:ext uri="{BB962C8B-B14F-4D97-AF65-F5344CB8AC3E}">
-        <p14:creationId xmlns:p14="http://schemas.microsoft.com/office/powerpoint/2010/main" val="1782800093"/>
-      </p:ext>
-    </p:extLst>
-  </p:cSld>
-  <p:clrMapOvr>
-    <a:masterClrMapping/>
-  </p:clrMapOvr>
-  <p:transition>
-    <p:fade/>
-  </p:transition>
-</p:sld>
-</file>
-
-<file path=ppt/slides/slide8.xml><?xml version="1.0" encoding="utf-8"?>
-<p:sld xmlns:a="http://schemas.openxmlformats.org/drawingml/2006/main" xmlns:r="http://schemas.openxmlformats.org/officeDocument/2006/relationships" xmlns:p="http://schemas.openxmlformats.org/presentationml/2006/main">
-  <p:cSld>
-    <p:spTree>
-      <p:nvGrpSpPr>
-        <p:cNvPr id="1" name=""/>
-        <p:cNvGrpSpPr/>
-        <p:nvPr/>
-      </p:nvGrpSpPr>
-      <p:grpSpPr>
-        <a:xfrm>
-          <a:off x="0" y="0"/>
-          <a:ext cx="0" cy="0"/>
-          <a:chOff x="0" y="0"/>
-          <a:chExt cx="0" cy="0"/>
-        </a:xfrm>
-      </p:grpSpPr>
-      <p:sp>
-        <p:nvSpPr>
-          <p:cNvPr id="2" name="Slide Number Placeholder 1"/>
-          <p:cNvSpPr>
-            <a:spLocks noGrp="1"/>
-          </p:cNvSpPr>
-          <p:nvPr>
-            <p:ph type="sldNum" sz="quarter" idx="12"/>
-          </p:nvPr>
-        </p:nvSpPr>
-        <p:spPr/>
-        <p:txBody>
-          <a:bodyPr/>
-          <a:lstStyle/>
-          <a:p>
-            <a:fld id="{3847DB54-D037-B84F-B6F1-2E8DA40D09AD}" type="slidenum">
-              <a:rPr lang="en-US" smtClean="0"/>
-              <a:pPr/>
-              <a:t>8</a:t>
-            </a:fld>
-            <a:endParaRPr lang="en-US"/>
-          </a:p>
-        </p:txBody>
-      </p:sp>
-      <p:sp>
-        <p:nvSpPr>
-          <p:cNvPr id="5" name="Content Placeholder 4"/>
-          <p:cNvSpPr>
-            <a:spLocks noGrp="1"/>
-          </p:cNvSpPr>
-          <p:nvPr>
-            <p:ph idx="1"/>
-          </p:nvPr>
-        </p:nvSpPr>
-        <p:spPr/>
-        <p:txBody>
-          <a:bodyPr/>
-          <a:lstStyle/>
-          <a:p>
             <a:endParaRPr lang="en-US" dirty="0"/>
           </a:p>
         </p:txBody>
@@ -10012,7 +9200,7 @@
 </p:sld>
 </file>
 
-<file path=ppt/slides/slide9.xml><?xml version="1.0" encoding="utf-8"?>
+<file path=ppt/slides/slide8.xml><?xml version="1.0" encoding="utf-8"?>
 <p:sld xmlns:a="http://schemas.openxmlformats.org/drawingml/2006/main" xmlns:r="http://schemas.openxmlformats.org/officeDocument/2006/relationships" xmlns:p="http://schemas.openxmlformats.org/presentationml/2006/main">
   <p:cSld>
     <p:spTree>
@@ -10055,7 +9243,7 @@
             <a:fld id="{3847DB54-D037-B84F-B6F1-2E8DA40D09AD}" type="slidenum">
               <a:rPr lang="en-US" smtClean="0"/>
               <a:pPr/>
-              <a:t>9</a:t>
+              <a:t>8</a:t>
             </a:fld>
             <a:endParaRPr lang="en-US"/>
           </a:p>
@@ -11350,15 +10538,6 @@
 </file>
 
 <file path=customXml/item2.xml><?xml version="1.0" encoding="utf-8"?>
-<?mso-contentType ?>
-<FormTemplates xmlns="http://schemas.microsoft.com/sharepoint/v3/contenttype/forms">
-  <Display>DocumentLibraryForm</Display>
-  <Edit>DocumentLibraryForm</Edit>
-  <New>DocumentLibraryForm</New>
-</FormTemplates>
-</file>
-
-<file path=customXml/item3.xml><?xml version="1.0" encoding="utf-8"?>
 <ct:contentTypeSchema xmlns:ct="http://schemas.microsoft.com/office/2006/metadata/contentType" xmlns:ma="http://schemas.microsoft.com/office/2006/metadata/properties/metaAttributes" ct:_="" ma:_="" ma:contentTypeName="Documento" ma:contentTypeID="0x01010036D5650AA20B9C4994D4F61BF86E88A5" ma:contentTypeVersion="2" ma:contentTypeDescription="Crie um novo documento." ma:contentTypeScope="" ma:versionID="5e061fff1f46b9b376a7df479f71f8c8">
   <xsd:schema xmlns:xsd="http://www.w3.org/2001/XMLSchema" xmlns:xs="http://www.w3.org/2001/XMLSchema" xmlns:p="http://schemas.microsoft.com/office/2006/metadata/properties" xmlns:ns2="07a316ae-5687-4ea8-90ab-e5c6f194d564" targetNamespace="http://schemas.microsoft.com/office/2006/metadata/properties" ma:root="true" ma:fieldsID="fa601322723508fdb4fa44b47fe0f447" ns2:_="">
     <xsd:import namespace="07a316ae-5687-4ea8-90ab-e5c6f194d564"/>
@@ -11490,6 +10669,15 @@
 </ct:contentTypeSchema>
 </file>
 
+<file path=customXml/item3.xml><?xml version="1.0" encoding="utf-8"?>
+<?mso-contentType ?>
+<FormTemplates xmlns="http://schemas.microsoft.com/sharepoint/v3/contenttype/forms">
+  <Display>DocumentLibraryForm</Display>
+  <Edit>DocumentLibraryForm</Edit>
+  <New>DocumentLibraryForm</New>
+</FormTemplates>
+</file>
+
 <file path=customXml/itemProps1.xml><?xml version="1.0" encoding="utf-8"?>
 <ds:datastoreItem xmlns:ds="http://schemas.openxmlformats.org/officeDocument/2006/customXml" ds:itemID="{840916AD-EA36-4B19-B020-346B3B08ACE2}">
   <ds:schemaRefs>
@@ -11507,14 +10695,6 @@
 </file>
 
 <file path=customXml/itemProps2.xml><?xml version="1.0" encoding="utf-8"?>
-<ds:datastoreItem xmlns:ds="http://schemas.openxmlformats.org/officeDocument/2006/customXml" ds:itemID="{CFC7BE12-D282-45D2-9360-ABE4B1901808}">
-  <ds:schemaRefs>
-    <ds:schemaRef ds:uri="http://schemas.microsoft.com/sharepoint/v3/contenttype/forms"/>
-  </ds:schemaRefs>
-</ds:datastoreItem>
-</file>
-
-<file path=customXml/itemProps3.xml><?xml version="1.0" encoding="utf-8"?>
 <ds:datastoreItem xmlns:ds="http://schemas.openxmlformats.org/officeDocument/2006/customXml" ds:itemID="{971ED77C-6313-42D6-A059-131B9D4A2F34}">
   <ds:schemaRefs>
     <ds:schemaRef ds:uri="http://schemas.microsoft.com/office/2006/metadata/contentType"/>
@@ -11530,4 +10710,12 @@
     <ds:schemaRef ds:uri="http://schemas.microsoft.com/internal/obd"/>
   </ds:schemaRefs>
 </ds:datastoreItem>
+</file>
+
+<file path=customXml/itemProps3.xml><?xml version="1.0" encoding="utf-8"?>
+<ds:datastoreItem xmlns:ds="http://schemas.openxmlformats.org/officeDocument/2006/customXml" ds:itemID="{CFC7BE12-D282-45D2-9360-ABE4B1901808}">
+  <ds:schemaRefs>
+    <ds:schemaRef ds:uri="http://schemas.microsoft.com/sharepoint/v3/contenttype/forms"/>
+  </ds:schemaRefs>
+</ds:datastoreItem>
 </file>